--- a/Ближе к суте.pptx
+++ b/Ближе к суте.pptx
@@ -11,6 +11,16 @@
     <p:sldId id="259" r:id="rId5"/>
     <p:sldId id="260" r:id="rId6"/>
     <p:sldId id="261" r:id="rId7"/>
+    <p:sldId id="262" r:id="rId8"/>
+    <p:sldId id="263" r:id="rId9"/>
+    <p:sldId id="264" r:id="rId10"/>
+    <p:sldId id="265" r:id="rId11"/>
+    <p:sldId id="266" r:id="rId12"/>
+    <p:sldId id="267" r:id="rId13"/>
+    <p:sldId id="268" r:id="rId14"/>
+    <p:sldId id="269" r:id="rId15"/>
+    <p:sldId id="270" r:id="rId16"/>
+    <p:sldId id="271" r:id="rId17"/>
   </p:sldIdLst>
   <p:sldSz cx="12192000" cy="6858000"/>
   <p:notesSz cx="6858000" cy="9144000"/>
@@ -109,6 +119,11 @@
       </a:defRPr>
     </a:lvl9pPr>
   </p:defaultTextStyle>
+  <p:extLst>
+    <p:ext uri="{EFAFB233-063F-42B5-8137-9DF3F51BA10A}">
+      <p15:sldGuideLst xmlns:p15="http://schemas.microsoft.com/office/powerpoint/2012/main"/>
+    </p:ext>
+  </p:extLst>
 </p:presentation>
 </file>
 
@@ -7734,8 +7749,8 @@
               <a:t>Ближе к </a:t>
             </a:r>
             <a:r>
-              <a:rPr lang="ru-RU" dirty="0" err="1" smtClean="0"/>
-              <a:t>суте</a:t>
+              <a:rPr lang="ru-RU" dirty="0" smtClean="0"/>
+              <a:t>сути</a:t>
             </a:r>
             <a:endParaRPr lang="ru-RU" dirty="0"/>
           </a:p>
@@ -7764,6 +7779,1365 @@
     <p:extLst>
       <p:ext uri="{BB962C8B-B14F-4D97-AF65-F5344CB8AC3E}">
         <p14:creationId xmlns:p14="http://schemas.microsoft.com/office/powerpoint/2010/main" val="1027670867"/>
+      </p:ext>
+    </p:extLst>
+  </p:cSld>
+  <p:clrMapOvr>
+    <a:masterClrMapping/>
+  </p:clrMapOvr>
+</p:sld>
+</file>
+
+<file path=ppt/slides/slide10.xml><?xml version="1.0" encoding="utf-8"?>
+<p:sld xmlns:a="http://schemas.openxmlformats.org/drawingml/2006/main" xmlns:r="http://schemas.openxmlformats.org/officeDocument/2006/relationships" xmlns:p="http://schemas.openxmlformats.org/presentationml/2006/main">
+  <p:cSld>
+    <p:spTree>
+      <p:nvGrpSpPr>
+        <p:cNvPr id="1" name=""/>
+        <p:cNvGrpSpPr/>
+        <p:nvPr/>
+      </p:nvGrpSpPr>
+      <p:grpSpPr>
+        <a:xfrm>
+          <a:off x="0" y="0"/>
+          <a:ext cx="0" cy="0"/>
+          <a:chOff x="0" y="0"/>
+          <a:chExt cx="0" cy="0"/>
+        </a:xfrm>
+      </p:grpSpPr>
+      <p:sp>
+        <p:nvSpPr>
+          <p:cNvPr id="2" name="Заголовок 1"/>
+          <p:cNvSpPr>
+            <a:spLocks noGrp="1"/>
+          </p:cNvSpPr>
+          <p:nvPr>
+            <p:ph type="title"/>
+          </p:nvPr>
+        </p:nvSpPr>
+        <p:spPr/>
+        <p:txBody>
+          <a:bodyPr/>
+          <a:lstStyle/>
+          <a:p>
+            <a:r>
+              <a:rPr lang="ru-RU" dirty="0" smtClean="0"/>
+              <a:t>Оформление текста страницы</a:t>
+            </a:r>
+            <a:endParaRPr lang="ru-RU" dirty="0"/>
+          </a:p>
+        </p:txBody>
+      </p:sp>
+      <p:sp>
+        <p:nvSpPr>
+          <p:cNvPr id="3" name="Объект 2"/>
+          <p:cNvSpPr>
+            <a:spLocks noGrp="1"/>
+          </p:cNvSpPr>
+          <p:nvPr>
+            <p:ph idx="1"/>
+          </p:nvPr>
+        </p:nvSpPr>
+        <p:spPr>
+          <a:xfrm>
+            <a:off x="680322" y="2336873"/>
+            <a:ext cx="4858330" cy="3599316"/>
+          </a:xfrm>
+        </p:spPr>
+        <p:txBody>
+          <a:bodyPr>
+            <a:normAutofit fontScale="92500" lnSpcReduction="20000"/>
+          </a:bodyPr>
+          <a:lstStyle/>
+          <a:p>
+            <a:r>
+              <a:rPr lang="ru-RU" dirty="0"/>
+              <a:t>Описание тегов</a:t>
+            </a:r>
+            <a:r>
+              <a:rPr lang="en-US" dirty="0"/>
+              <a:t>:</a:t>
+            </a:r>
+          </a:p>
+          <a:p>
+            <a:pPr marL="457200" indent="-457200">
+              <a:buFont typeface="+mj-lt"/>
+              <a:buAutoNum type="arabicPeriod"/>
+            </a:pPr>
+            <a:r>
+              <a:rPr lang="en-US" dirty="0"/>
+              <a:t>Position </a:t>
+            </a:r>
+            <a:r>
+              <a:rPr lang="ru-RU" dirty="0"/>
+              <a:t>– отвечает за позицию объекта</a:t>
+            </a:r>
+            <a:endParaRPr lang="en-US" dirty="0"/>
+          </a:p>
+          <a:p>
+            <a:pPr marL="457200" indent="-457200">
+              <a:buFont typeface="+mj-lt"/>
+              <a:buAutoNum type="arabicPeriod"/>
+            </a:pPr>
+            <a:r>
+              <a:rPr lang="en-US" dirty="0"/>
+              <a:t>Top</a:t>
+            </a:r>
+            <a:r>
+              <a:rPr lang="ru-RU" dirty="0"/>
+              <a:t> – отступ от верхушки </a:t>
+            </a:r>
+            <a:r>
+              <a:rPr lang="ru-RU" dirty="0" smtClean="0"/>
+              <a:t>сайта</a:t>
+            </a:r>
+          </a:p>
+          <a:p>
+            <a:pPr marL="457200" indent="-457200">
+              <a:buFont typeface="+mj-lt"/>
+              <a:buAutoNum type="arabicPeriod"/>
+            </a:pPr>
+            <a:r>
+              <a:rPr lang="en-US" dirty="0" smtClean="0"/>
+              <a:t>Margin – </a:t>
+            </a:r>
+            <a:r>
+              <a:rPr lang="ru-RU" dirty="0" smtClean="0"/>
+              <a:t>отступ слева и права</a:t>
+            </a:r>
+            <a:endParaRPr lang="en-US" dirty="0"/>
+          </a:p>
+          <a:p>
+            <a:pPr marL="457200" indent="-457200">
+              <a:buFont typeface="+mj-lt"/>
+              <a:buAutoNum type="arabicPeriod"/>
+            </a:pPr>
+            <a:r>
+              <a:rPr lang="en-US" dirty="0" smtClean="0"/>
+              <a:t>Width</a:t>
+            </a:r>
+            <a:r>
+              <a:rPr lang="ru-RU" dirty="0" smtClean="0"/>
+              <a:t> </a:t>
+            </a:r>
+            <a:r>
+              <a:rPr lang="ru-RU" dirty="0"/>
+              <a:t>– размер по ширине </a:t>
+            </a:r>
+            <a:r>
+              <a:rPr lang="ru-RU" dirty="0" smtClean="0"/>
+              <a:t>объекта</a:t>
+            </a:r>
+          </a:p>
+          <a:p>
+            <a:pPr marL="457200" indent="-457200">
+              <a:buFont typeface="+mj-lt"/>
+              <a:buAutoNum type="arabicPeriod"/>
+            </a:pPr>
+            <a:r>
+              <a:rPr lang="en-US" dirty="0" smtClean="0"/>
+              <a:t>Text-align – </a:t>
+            </a:r>
+            <a:r>
+              <a:rPr lang="ru-RU" dirty="0" smtClean="0"/>
+              <a:t>выравнивает текст по центру</a:t>
+            </a:r>
+            <a:endParaRPr lang="en-US" dirty="0"/>
+          </a:p>
+          <a:p>
+            <a:pPr marL="457200" indent="-457200">
+              <a:buFont typeface="+mj-lt"/>
+              <a:buAutoNum type="arabicPeriod"/>
+            </a:pPr>
+            <a:r>
+              <a:rPr lang="en-US" dirty="0" smtClean="0"/>
+              <a:t>Font-size</a:t>
+            </a:r>
+            <a:r>
+              <a:rPr lang="ru-RU" dirty="0" smtClean="0"/>
+              <a:t> </a:t>
+            </a:r>
+            <a:r>
+              <a:rPr lang="ru-RU" dirty="0"/>
+              <a:t>– размер </a:t>
+            </a:r>
+            <a:r>
+              <a:rPr lang="ru-RU" dirty="0" smtClean="0"/>
+              <a:t>шрифта</a:t>
+            </a:r>
+            <a:endParaRPr lang="en-US" dirty="0"/>
+          </a:p>
+          <a:p>
+            <a:pPr marL="457200" indent="-457200">
+              <a:buFont typeface="+mj-lt"/>
+              <a:buAutoNum type="arabicPeriod"/>
+            </a:pPr>
+            <a:r>
+              <a:rPr lang="en-US" dirty="0"/>
+              <a:t>Padding</a:t>
+            </a:r>
+            <a:r>
+              <a:rPr lang="ru-RU" dirty="0"/>
+              <a:t> – внутренний </a:t>
+            </a:r>
+            <a:r>
+              <a:rPr lang="ru-RU" dirty="0" smtClean="0"/>
+              <a:t>отступ</a:t>
+            </a:r>
+            <a:endParaRPr lang="en-US" dirty="0"/>
+          </a:p>
+        </p:txBody>
+      </p:sp>
+      <p:pic>
+        <p:nvPicPr>
+          <p:cNvPr id="5" name="Рисунок 4"/>
+          <p:cNvPicPr>
+            <a:picLocks noChangeAspect="1"/>
+          </p:cNvPicPr>
+          <p:nvPr/>
+        </p:nvPicPr>
+        <p:blipFill rotWithShape="1">
+          <a:blip r:embed="rId2"/>
+          <a:srcRect t="32386" r="48126" b="50848"/>
+          <a:stretch/>
+        </p:blipFill>
+        <p:spPr>
+          <a:xfrm>
+            <a:off x="7950791" y="3555233"/>
+            <a:ext cx="3374708" cy="1162595"/>
+          </a:xfrm>
+          <a:prstGeom prst="rect">
+            <a:avLst/>
+          </a:prstGeom>
+        </p:spPr>
+      </p:pic>
+    </p:spTree>
+    <p:extLst>
+      <p:ext uri="{BB962C8B-B14F-4D97-AF65-F5344CB8AC3E}">
+        <p14:creationId xmlns:p14="http://schemas.microsoft.com/office/powerpoint/2010/main" val="2934050806"/>
+      </p:ext>
+    </p:extLst>
+  </p:cSld>
+  <p:clrMapOvr>
+    <a:masterClrMapping/>
+  </p:clrMapOvr>
+</p:sld>
+</file>
+
+<file path=ppt/slides/slide11.xml><?xml version="1.0" encoding="utf-8"?>
+<p:sld xmlns:a="http://schemas.openxmlformats.org/drawingml/2006/main" xmlns:r="http://schemas.openxmlformats.org/officeDocument/2006/relationships" xmlns:p="http://schemas.openxmlformats.org/presentationml/2006/main">
+  <p:cSld>
+    <p:spTree>
+      <p:nvGrpSpPr>
+        <p:cNvPr id="1" name=""/>
+        <p:cNvGrpSpPr/>
+        <p:nvPr/>
+      </p:nvGrpSpPr>
+      <p:grpSpPr>
+        <a:xfrm>
+          <a:off x="0" y="0"/>
+          <a:ext cx="0" cy="0"/>
+          <a:chOff x="0" y="0"/>
+          <a:chExt cx="0" cy="0"/>
+        </a:xfrm>
+      </p:grpSpPr>
+      <p:sp>
+        <p:nvSpPr>
+          <p:cNvPr id="2" name="Заголовок 1"/>
+          <p:cNvSpPr>
+            <a:spLocks noGrp="1"/>
+          </p:cNvSpPr>
+          <p:nvPr>
+            <p:ph type="title"/>
+          </p:nvPr>
+        </p:nvSpPr>
+        <p:spPr/>
+        <p:txBody>
+          <a:bodyPr/>
+          <a:lstStyle/>
+          <a:p>
+            <a:r>
+              <a:rPr lang="ru-RU" dirty="0" smtClean="0"/>
+              <a:t>Футер</a:t>
+            </a:r>
+            <a:endParaRPr lang="ru-RU" dirty="0"/>
+          </a:p>
+        </p:txBody>
+      </p:sp>
+      <p:sp>
+        <p:nvSpPr>
+          <p:cNvPr id="3" name="Объект 2"/>
+          <p:cNvSpPr>
+            <a:spLocks noGrp="1"/>
+          </p:cNvSpPr>
+          <p:nvPr>
+            <p:ph idx="1"/>
+          </p:nvPr>
+        </p:nvSpPr>
+        <p:spPr>
+          <a:xfrm>
+            <a:off x="680321" y="2336873"/>
+            <a:ext cx="4988959" cy="3599316"/>
+          </a:xfrm>
+        </p:spPr>
+        <p:txBody>
+          <a:bodyPr/>
+          <a:lstStyle/>
+          <a:p>
+            <a:r>
+              <a:rPr lang="ru-RU" dirty="0" smtClean="0"/>
+              <a:t>В футоре находится информация и способ связи с администрацией сайта</a:t>
+            </a:r>
+            <a:endParaRPr lang="ru-RU" dirty="0"/>
+          </a:p>
+        </p:txBody>
+      </p:sp>
+      <p:pic>
+        <p:nvPicPr>
+          <p:cNvPr id="4" name="Рисунок 3"/>
+          <p:cNvPicPr>
+            <a:picLocks noChangeAspect="1"/>
+          </p:cNvPicPr>
+          <p:nvPr/>
+        </p:nvPicPr>
+        <p:blipFill rotWithShape="1">
+          <a:blip r:embed="rId2"/>
+          <a:srcRect t="24662" r="15396" b="40675"/>
+          <a:stretch/>
+        </p:blipFill>
+        <p:spPr>
+          <a:xfrm>
+            <a:off x="6213430" y="2934748"/>
+            <a:ext cx="5503954" cy="2403565"/>
+          </a:xfrm>
+          <a:prstGeom prst="rect">
+            <a:avLst/>
+          </a:prstGeom>
+        </p:spPr>
+      </p:pic>
+    </p:spTree>
+    <p:extLst>
+      <p:ext uri="{BB962C8B-B14F-4D97-AF65-F5344CB8AC3E}">
+        <p14:creationId xmlns:p14="http://schemas.microsoft.com/office/powerpoint/2010/main" val="2294989345"/>
+      </p:ext>
+    </p:extLst>
+  </p:cSld>
+  <p:clrMapOvr>
+    <a:masterClrMapping/>
+  </p:clrMapOvr>
+</p:sld>
+</file>
+
+<file path=ppt/slides/slide12.xml><?xml version="1.0" encoding="utf-8"?>
+<p:sld xmlns:a="http://schemas.openxmlformats.org/drawingml/2006/main" xmlns:r="http://schemas.openxmlformats.org/officeDocument/2006/relationships" xmlns:p="http://schemas.openxmlformats.org/presentationml/2006/main">
+  <p:cSld>
+    <p:spTree>
+      <p:nvGrpSpPr>
+        <p:cNvPr id="1" name=""/>
+        <p:cNvGrpSpPr/>
+        <p:nvPr/>
+      </p:nvGrpSpPr>
+      <p:grpSpPr>
+        <a:xfrm>
+          <a:off x="0" y="0"/>
+          <a:ext cx="0" cy="0"/>
+          <a:chOff x="0" y="0"/>
+          <a:chExt cx="0" cy="0"/>
+        </a:xfrm>
+      </p:grpSpPr>
+      <p:sp>
+        <p:nvSpPr>
+          <p:cNvPr id="2" name="Заголовок 1"/>
+          <p:cNvSpPr>
+            <a:spLocks noGrp="1"/>
+          </p:cNvSpPr>
+          <p:nvPr>
+            <p:ph type="title"/>
+          </p:nvPr>
+        </p:nvSpPr>
+        <p:spPr/>
+        <p:txBody>
+          <a:bodyPr/>
+          <a:lstStyle/>
+          <a:p>
+            <a:r>
+              <a:rPr lang="ru-RU" dirty="0" smtClean="0"/>
+              <a:t>Оформление футора</a:t>
+            </a:r>
+            <a:endParaRPr lang="ru-RU" dirty="0"/>
+          </a:p>
+        </p:txBody>
+      </p:sp>
+      <p:sp>
+        <p:nvSpPr>
+          <p:cNvPr id="3" name="Объект 2"/>
+          <p:cNvSpPr>
+            <a:spLocks noGrp="1"/>
+          </p:cNvSpPr>
+          <p:nvPr>
+            <p:ph idx="1"/>
+          </p:nvPr>
+        </p:nvSpPr>
+        <p:spPr>
+          <a:xfrm>
+            <a:off x="680322" y="2336873"/>
+            <a:ext cx="5459222" cy="3599316"/>
+          </a:xfrm>
+        </p:spPr>
+        <p:txBody>
+          <a:bodyPr>
+            <a:normAutofit fontScale="85000" lnSpcReduction="20000"/>
+          </a:bodyPr>
+          <a:lstStyle/>
+          <a:p>
+            <a:r>
+              <a:rPr lang="ru-RU" dirty="0" smtClean="0"/>
+              <a:t>Теги</a:t>
+            </a:r>
+            <a:r>
+              <a:rPr lang="en-US" dirty="0" smtClean="0"/>
+              <a:t>:</a:t>
+            </a:r>
+          </a:p>
+          <a:p>
+            <a:pPr marL="457200" indent="-457200">
+              <a:buFont typeface="+mj-lt"/>
+              <a:buAutoNum type="arabicPeriod"/>
+            </a:pPr>
+            <a:r>
+              <a:rPr lang="en-US" dirty="0" smtClean="0"/>
+              <a:t>Position – </a:t>
+            </a:r>
+            <a:r>
+              <a:rPr lang="ru-RU" dirty="0" smtClean="0"/>
+              <a:t>Отвечает за способ положение объекта на странице</a:t>
+            </a:r>
+            <a:endParaRPr lang="en-US" dirty="0" smtClean="0"/>
+          </a:p>
+          <a:p>
+            <a:pPr marL="457200" indent="-457200">
+              <a:buFont typeface="+mj-lt"/>
+              <a:buAutoNum type="arabicPeriod"/>
+            </a:pPr>
+            <a:r>
+              <a:rPr lang="en-US" dirty="0" smtClean="0"/>
+              <a:t>Left – </a:t>
+            </a:r>
+            <a:r>
+              <a:rPr lang="ru-RU" dirty="0" smtClean="0"/>
+              <a:t>отступ от края слева </a:t>
+            </a:r>
+            <a:endParaRPr lang="en-US" dirty="0" smtClean="0"/>
+          </a:p>
+          <a:p>
+            <a:pPr marL="457200" indent="-457200">
+              <a:buFont typeface="+mj-lt"/>
+              <a:buAutoNum type="arabicPeriod"/>
+            </a:pPr>
+            <a:r>
+              <a:rPr lang="en-US" dirty="0" smtClean="0"/>
+              <a:t>Bottom – </a:t>
+            </a:r>
+            <a:r>
+              <a:rPr lang="ru-RU" dirty="0" smtClean="0"/>
+              <a:t>отступ от низа страницы</a:t>
+            </a:r>
+            <a:endParaRPr lang="en-US" dirty="0" smtClean="0"/>
+          </a:p>
+          <a:p>
+            <a:pPr marL="457200" indent="-457200">
+              <a:buFont typeface="+mj-lt"/>
+              <a:buAutoNum type="arabicPeriod"/>
+            </a:pPr>
+            <a:r>
+              <a:rPr lang="en-US" dirty="0" smtClean="0"/>
+              <a:t>Padding – </a:t>
+            </a:r>
+            <a:r>
+              <a:rPr lang="ru-RU" dirty="0" smtClean="0"/>
+              <a:t>внутренний отступ</a:t>
+            </a:r>
+            <a:endParaRPr lang="en-US" dirty="0" smtClean="0"/>
+          </a:p>
+          <a:p>
+            <a:pPr marL="457200" indent="-457200">
+              <a:buFont typeface="+mj-lt"/>
+              <a:buAutoNum type="arabicPeriod"/>
+            </a:pPr>
+            <a:r>
+              <a:rPr lang="en-US" dirty="0" smtClean="0"/>
+              <a:t>Width - </a:t>
+            </a:r>
+            <a:r>
+              <a:rPr lang="ru-RU" dirty="0" smtClean="0"/>
+              <a:t>ширина</a:t>
+            </a:r>
+            <a:endParaRPr lang="en-US" dirty="0" smtClean="0"/>
+          </a:p>
+          <a:p>
+            <a:pPr marL="457200" indent="-457200">
+              <a:buFont typeface="+mj-lt"/>
+              <a:buAutoNum type="arabicPeriod"/>
+            </a:pPr>
+            <a:r>
+              <a:rPr lang="en-US" dirty="0" smtClean="0"/>
+              <a:t>Height - </a:t>
+            </a:r>
+            <a:r>
+              <a:rPr lang="ru-RU" dirty="0" smtClean="0"/>
+              <a:t>высота</a:t>
+            </a:r>
+            <a:endParaRPr lang="en-US" dirty="0" smtClean="0"/>
+          </a:p>
+          <a:p>
+            <a:pPr marL="457200" indent="-457200">
+              <a:buFont typeface="+mj-lt"/>
+              <a:buAutoNum type="arabicPeriod"/>
+            </a:pPr>
+            <a:r>
+              <a:rPr lang="en-US" dirty="0" smtClean="0"/>
+              <a:t>Background – </a:t>
+            </a:r>
+            <a:r>
+              <a:rPr lang="ru-RU" dirty="0" smtClean="0"/>
+              <a:t>цвет оформления</a:t>
+            </a:r>
+            <a:endParaRPr lang="en-US" dirty="0" smtClean="0"/>
+          </a:p>
+          <a:p>
+            <a:pPr marL="457200" indent="-457200">
+              <a:buFont typeface="+mj-lt"/>
+              <a:buAutoNum type="arabicPeriod"/>
+            </a:pPr>
+            <a:r>
+              <a:rPr lang="en-US" dirty="0" smtClean="0"/>
+              <a:t>Display – </a:t>
+            </a:r>
+            <a:r>
+              <a:rPr lang="ru-RU" dirty="0" smtClean="0"/>
+              <a:t>способ отображения</a:t>
+            </a:r>
+            <a:endParaRPr lang="en-US" dirty="0" smtClean="0"/>
+          </a:p>
+          <a:p>
+            <a:pPr marL="457200" indent="-457200">
+              <a:buFont typeface="+mj-lt"/>
+              <a:buAutoNum type="arabicPeriod"/>
+            </a:pPr>
+            <a:r>
+              <a:rPr lang="en-US" dirty="0" smtClean="0"/>
+              <a:t>Right – </a:t>
+            </a:r>
+            <a:r>
+              <a:rPr lang="ru-RU" dirty="0" smtClean="0"/>
+              <a:t>отступ от края с права</a:t>
+            </a:r>
+            <a:endParaRPr lang="ru-RU" dirty="0"/>
+          </a:p>
+        </p:txBody>
+      </p:sp>
+      <p:pic>
+        <p:nvPicPr>
+          <p:cNvPr id="4" name="Рисунок 3"/>
+          <p:cNvPicPr>
+            <a:picLocks noChangeAspect="1"/>
+          </p:cNvPicPr>
+          <p:nvPr/>
+        </p:nvPicPr>
+        <p:blipFill rotWithShape="1">
+          <a:blip r:embed="rId2"/>
+          <a:srcRect t="12417" r="65997" b="15243"/>
+          <a:stretch/>
+        </p:blipFill>
+        <p:spPr>
+          <a:xfrm>
+            <a:off x="8268844" y="456508"/>
+            <a:ext cx="2769270" cy="6279531"/>
+          </a:xfrm>
+          <a:prstGeom prst="rect">
+            <a:avLst/>
+          </a:prstGeom>
+        </p:spPr>
+      </p:pic>
+    </p:spTree>
+    <p:extLst>
+      <p:ext uri="{BB962C8B-B14F-4D97-AF65-F5344CB8AC3E}">
+        <p14:creationId xmlns:p14="http://schemas.microsoft.com/office/powerpoint/2010/main" val="1940684417"/>
+      </p:ext>
+    </p:extLst>
+  </p:cSld>
+  <p:clrMapOvr>
+    <a:masterClrMapping/>
+  </p:clrMapOvr>
+</p:sld>
+</file>
+
+<file path=ppt/slides/slide13.xml><?xml version="1.0" encoding="utf-8"?>
+<p:sld xmlns:a="http://schemas.openxmlformats.org/drawingml/2006/main" xmlns:r="http://schemas.openxmlformats.org/officeDocument/2006/relationships" xmlns:p="http://schemas.openxmlformats.org/presentationml/2006/main">
+  <p:cSld>
+    <p:spTree>
+      <p:nvGrpSpPr>
+        <p:cNvPr id="1" name=""/>
+        <p:cNvGrpSpPr/>
+        <p:nvPr/>
+      </p:nvGrpSpPr>
+      <p:grpSpPr>
+        <a:xfrm>
+          <a:off x="0" y="0"/>
+          <a:ext cx="0" cy="0"/>
+          <a:chOff x="0" y="0"/>
+          <a:chExt cx="0" cy="0"/>
+        </a:xfrm>
+      </p:grpSpPr>
+      <p:sp>
+        <p:nvSpPr>
+          <p:cNvPr id="2" name="Заголовок 1"/>
+          <p:cNvSpPr>
+            <a:spLocks noGrp="1"/>
+          </p:cNvSpPr>
+          <p:nvPr>
+            <p:ph type="title"/>
+          </p:nvPr>
+        </p:nvSpPr>
+        <p:spPr/>
+        <p:txBody>
+          <a:bodyPr/>
+          <a:lstStyle/>
+          <a:p>
+            <a:r>
+              <a:rPr lang="ru-RU" dirty="0" smtClean="0"/>
+              <a:t>Страницы регистрации</a:t>
+            </a:r>
+            <a:endParaRPr lang="ru-RU" dirty="0"/>
+          </a:p>
+        </p:txBody>
+      </p:sp>
+      <p:sp>
+        <p:nvSpPr>
+          <p:cNvPr id="3" name="Объект 2"/>
+          <p:cNvSpPr>
+            <a:spLocks noGrp="1"/>
+          </p:cNvSpPr>
+          <p:nvPr>
+            <p:ph idx="1"/>
+          </p:nvPr>
+        </p:nvSpPr>
+        <p:spPr>
+          <a:xfrm>
+            <a:off x="680322" y="2336873"/>
+            <a:ext cx="5393907" cy="3599316"/>
+          </a:xfrm>
+        </p:spPr>
+        <p:txBody>
+          <a:bodyPr/>
+          <a:lstStyle/>
+          <a:p>
+            <a:r>
+              <a:rPr lang="ru-RU" dirty="0" smtClean="0"/>
+              <a:t>Это регистрация.</a:t>
+            </a:r>
+          </a:p>
+          <a:p>
+            <a:r>
+              <a:rPr lang="ru-RU" dirty="0" smtClean="0"/>
+              <a:t>В тег </a:t>
+            </a:r>
+            <a:r>
+              <a:rPr lang="en-US" dirty="0" smtClean="0"/>
+              <a:t>input</a:t>
+            </a:r>
+            <a:r>
+              <a:rPr lang="ru-RU" dirty="0" smtClean="0"/>
+              <a:t> человек может вставить текст.</a:t>
+            </a:r>
+          </a:p>
+          <a:p>
+            <a:r>
+              <a:rPr lang="ru-RU" dirty="0" smtClean="0"/>
+              <a:t>В теге </a:t>
+            </a:r>
+            <a:r>
+              <a:rPr lang="en-US" dirty="0" smtClean="0"/>
+              <a:t>input </a:t>
+            </a:r>
+            <a:r>
+              <a:rPr lang="ru-RU" dirty="0" smtClean="0"/>
+              <a:t>есть </a:t>
+            </a:r>
+            <a:r>
+              <a:rPr lang="en-US" dirty="0" smtClean="0"/>
+              <a:t>Type</a:t>
+            </a:r>
+            <a:r>
+              <a:rPr lang="ru-RU" dirty="0" smtClean="0"/>
+              <a:t>, благодаря ему можно скрыть текст такие как пароли, с помощью </a:t>
+            </a:r>
+            <a:r>
+              <a:rPr lang="en-US" dirty="0" smtClean="0"/>
+              <a:t>type=“password”.</a:t>
+            </a:r>
+            <a:endParaRPr lang="ru-RU" dirty="0"/>
+          </a:p>
+        </p:txBody>
+      </p:sp>
+      <p:pic>
+        <p:nvPicPr>
+          <p:cNvPr id="4" name="Рисунок 3"/>
+          <p:cNvPicPr>
+            <a:picLocks noChangeAspect="1"/>
+          </p:cNvPicPr>
+          <p:nvPr/>
+        </p:nvPicPr>
+        <p:blipFill rotWithShape="1">
+          <a:blip r:embed="rId2"/>
+          <a:srcRect t="36719" r="13991" b="43312"/>
+          <a:stretch/>
+        </p:blipFill>
+        <p:spPr>
+          <a:xfrm>
+            <a:off x="6422436" y="3444199"/>
+            <a:ext cx="5595394" cy="1384663"/>
+          </a:xfrm>
+          <a:prstGeom prst="rect">
+            <a:avLst/>
+          </a:prstGeom>
+        </p:spPr>
+      </p:pic>
+    </p:spTree>
+    <p:extLst>
+      <p:ext uri="{BB962C8B-B14F-4D97-AF65-F5344CB8AC3E}">
+        <p14:creationId xmlns:p14="http://schemas.microsoft.com/office/powerpoint/2010/main" val="1245474137"/>
+      </p:ext>
+    </p:extLst>
+  </p:cSld>
+  <p:clrMapOvr>
+    <a:masterClrMapping/>
+  </p:clrMapOvr>
+</p:sld>
+</file>
+
+<file path=ppt/slides/slide14.xml><?xml version="1.0" encoding="utf-8"?>
+<p:sld xmlns:a="http://schemas.openxmlformats.org/drawingml/2006/main" xmlns:r="http://schemas.openxmlformats.org/officeDocument/2006/relationships" xmlns:p="http://schemas.openxmlformats.org/presentationml/2006/main">
+  <p:cSld>
+    <p:spTree>
+      <p:nvGrpSpPr>
+        <p:cNvPr id="1" name=""/>
+        <p:cNvGrpSpPr/>
+        <p:nvPr/>
+      </p:nvGrpSpPr>
+      <p:grpSpPr>
+        <a:xfrm>
+          <a:off x="0" y="0"/>
+          <a:ext cx="0" cy="0"/>
+          <a:chOff x="0" y="0"/>
+          <a:chExt cx="0" cy="0"/>
+        </a:xfrm>
+      </p:grpSpPr>
+      <p:sp>
+        <p:nvSpPr>
+          <p:cNvPr id="2" name="Заголовок 1"/>
+          <p:cNvSpPr>
+            <a:spLocks noGrp="1"/>
+          </p:cNvSpPr>
+          <p:nvPr>
+            <p:ph type="title"/>
+          </p:nvPr>
+        </p:nvSpPr>
+        <p:spPr/>
+        <p:txBody>
+          <a:bodyPr/>
+          <a:lstStyle/>
+          <a:p>
+            <a:r>
+              <a:rPr lang="ru-RU" dirty="0" smtClean="0"/>
+              <a:t>Оформление регистрации</a:t>
+            </a:r>
+            <a:endParaRPr lang="ru-RU" dirty="0"/>
+          </a:p>
+        </p:txBody>
+      </p:sp>
+      <p:sp>
+        <p:nvSpPr>
+          <p:cNvPr id="3" name="Объект 2"/>
+          <p:cNvSpPr>
+            <a:spLocks noGrp="1"/>
+          </p:cNvSpPr>
+          <p:nvPr>
+            <p:ph idx="1"/>
+          </p:nvPr>
+        </p:nvSpPr>
+        <p:spPr>
+          <a:xfrm>
+            <a:off x="680322" y="2336873"/>
+            <a:ext cx="5276342" cy="3599316"/>
+          </a:xfrm>
+        </p:spPr>
+        <p:txBody>
+          <a:bodyPr>
+            <a:normAutofit fontScale="92500" lnSpcReduction="20000"/>
+          </a:bodyPr>
+          <a:lstStyle/>
+          <a:p>
+            <a:r>
+              <a:rPr lang="ru-RU" dirty="0" smtClean="0"/>
+              <a:t>Теги</a:t>
+            </a:r>
+            <a:r>
+              <a:rPr lang="en-US" dirty="0" smtClean="0"/>
+              <a:t>:</a:t>
+            </a:r>
+          </a:p>
+          <a:p>
+            <a:pPr marL="457200" indent="-457200">
+              <a:buFont typeface="+mj-lt"/>
+              <a:buAutoNum type="arabicPeriod"/>
+            </a:pPr>
+            <a:r>
+              <a:rPr lang="en-US" dirty="0" smtClean="0"/>
+              <a:t>Position</a:t>
+            </a:r>
+            <a:r>
+              <a:rPr lang="en-US" dirty="0"/>
+              <a:t> </a:t>
+            </a:r>
+            <a:r>
+              <a:rPr lang="en-US" dirty="0" smtClean="0"/>
+              <a:t>– </a:t>
+            </a:r>
+            <a:r>
+              <a:rPr lang="ru-RU" dirty="0" smtClean="0"/>
+              <a:t>способ позиционирования на страницы</a:t>
+            </a:r>
+            <a:endParaRPr lang="en-US" dirty="0" smtClean="0"/>
+          </a:p>
+          <a:p>
+            <a:pPr marL="457200" indent="-457200">
+              <a:buFont typeface="+mj-lt"/>
+              <a:buAutoNum type="arabicPeriod"/>
+            </a:pPr>
+            <a:r>
+              <a:rPr lang="en-US" dirty="0" smtClean="0"/>
+              <a:t>Top</a:t>
+            </a:r>
+            <a:r>
+              <a:rPr lang="en-US" dirty="0"/>
+              <a:t> </a:t>
+            </a:r>
+            <a:r>
+              <a:rPr lang="en-US" dirty="0" smtClean="0"/>
+              <a:t>– </a:t>
+            </a:r>
+            <a:r>
+              <a:rPr lang="ru-RU" dirty="0" smtClean="0"/>
+              <a:t>отступ от верха</a:t>
+            </a:r>
+            <a:endParaRPr lang="en-US" dirty="0" smtClean="0"/>
+          </a:p>
+          <a:p>
+            <a:pPr marL="457200" indent="-457200">
+              <a:buFont typeface="+mj-lt"/>
+              <a:buAutoNum type="arabicPeriod"/>
+            </a:pPr>
+            <a:r>
+              <a:rPr lang="en-US" dirty="0" smtClean="0"/>
+              <a:t>Width</a:t>
+            </a:r>
+            <a:r>
+              <a:rPr lang="en-US" dirty="0"/>
+              <a:t> - </a:t>
+            </a:r>
+            <a:r>
+              <a:rPr lang="ru-RU" dirty="0" smtClean="0"/>
+              <a:t>ширина</a:t>
+            </a:r>
+            <a:endParaRPr lang="en-US" dirty="0" smtClean="0"/>
+          </a:p>
+          <a:p>
+            <a:pPr marL="457200" indent="-457200">
+              <a:buFont typeface="+mj-lt"/>
+              <a:buAutoNum type="arabicPeriod"/>
+            </a:pPr>
+            <a:r>
+              <a:rPr lang="en-US" dirty="0" smtClean="0"/>
+              <a:t>Margin</a:t>
+            </a:r>
+            <a:r>
+              <a:rPr lang="en-US" dirty="0"/>
+              <a:t> </a:t>
+            </a:r>
+            <a:r>
+              <a:rPr lang="en-US" dirty="0" smtClean="0"/>
+              <a:t>– </a:t>
+            </a:r>
+            <a:r>
+              <a:rPr lang="ru-RU" dirty="0" smtClean="0"/>
+              <a:t>Внешний отступ</a:t>
+            </a:r>
+            <a:endParaRPr lang="en-US" dirty="0" smtClean="0"/>
+          </a:p>
+          <a:p>
+            <a:pPr marL="457200" indent="-457200">
+              <a:buFont typeface="+mj-lt"/>
+              <a:buAutoNum type="arabicPeriod"/>
+            </a:pPr>
+            <a:r>
+              <a:rPr lang="en-US" dirty="0" smtClean="0"/>
+              <a:t>Padding</a:t>
+            </a:r>
+            <a:r>
+              <a:rPr lang="en-US" dirty="0"/>
+              <a:t> </a:t>
+            </a:r>
+            <a:r>
+              <a:rPr lang="en-US" dirty="0" smtClean="0"/>
+              <a:t>– </a:t>
+            </a:r>
+            <a:r>
+              <a:rPr lang="ru-RU" dirty="0" smtClean="0"/>
+              <a:t>внутренний отступ</a:t>
+            </a:r>
+            <a:endParaRPr lang="en-US" dirty="0" smtClean="0"/>
+          </a:p>
+          <a:p>
+            <a:pPr marL="457200" indent="-457200">
+              <a:buFont typeface="+mj-lt"/>
+              <a:buAutoNum type="arabicPeriod"/>
+            </a:pPr>
+            <a:r>
+              <a:rPr lang="en-US" dirty="0" smtClean="0"/>
+              <a:t>Text-align</a:t>
+            </a:r>
+            <a:r>
+              <a:rPr lang="en-US" dirty="0"/>
+              <a:t> </a:t>
+            </a:r>
+            <a:r>
+              <a:rPr lang="en-US" dirty="0" smtClean="0"/>
+              <a:t>– </a:t>
+            </a:r>
+            <a:r>
+              <a:rPr lang="ru-RU" dirty="0" smtClean="0"/>
+              <a:t>выравнивание текста</a:t>
+            </a:r>
+            <a:endParaRPr lang="en-US" dirty="0" smtClean="0"/>
+          </a:p>
+          <a:p>
+            <a:pPr marL="457200" indent="-457200">
+              <a:buFont typeface="+mj-lt"/>
+              <a:buAutoNum type="arabicPeriod"/>
+            </a:pPr>
+            <a:r>
+              <a:rPr lang="en-US" dirty="0" smtClean="0"/>
+              <a:t>Font-size</a:t>
+            </a:r>
+            <a:r>
+              <a:rPr lang="en-US" dirty="0"/>
+              <a:t> </a:t>
+            </a:r>
+            <a:r>
+              <a:rPr lang="en-US" dirty="0" smtClean="0"/>
+              <a:t>– </a:t>
+            </a:r>
+            <a:r>
+              <a:rPr lang="ru-RU" dirty="0" smtClean="0"/>
+              <a:t>размер текста</a:t>
+            </a:r>
+            <a:endParaRPr lang="en-US" dirty="0" smtClean="0"/>
+          </a:p>
+          <a:p>
+            <a:pPr marL="457200" indent="-457200">
+              <a:buFont typeface="+mj-lt"/>
+              <a:buAutoNum type="arabicPeriod"/>
+            </a:pPr>
+            <a:r>
+              <a:rPr lang="en-US" dirty="0" smtClean="0"/>
+              <a:t>Border – </a:t>
+            </a:r>
+            <a:r>
+              <a:rPr lang="ru-RU" dirty="0" smtClean="0"/>
+              <a:t>добавление бордюра</a:t>
+            </a:r>
+            <a:endParaRPr lang="en-US" dirty="0" smtClean="0"/>
+          </a:p>
+        </p:txBody>
+      </p:sp>
+      <p:pic>
+        <p:nvPicPr>
+          <p:cNvPr id="4" name="Рисунок 3"/>
+          <p:cNvPicPr>
+            <a:picLocks noChangeAspect="1"/>
+          </p:cNvPicPr>
+          <p:nvPr/>
+        </p:nvPicPr>
+        <p:blipFill rotWithShape="1">
+          <a:blip r:embed="rId2"/>
+          <a:srcRect l="2679" t="42936" r="43307" b="26358"/>
+          <a:stretch/>
+        </p:blipFill>
+        <p:spPr>
+          <a:xfrm>
+            <a:off x="6622869" y="2651759"/>
+            <a:ext cx="5007429" cy="3034241"/>
+          </a:xfrm>
+          <a:prstGeom prst="rect">
+            <a:avLst/>
+          </a:prstGeom>
+        </p:spPr>
+      </p:pic>
+    </p:spTree>
+    <p:extLst>
+      <p:ext uri="{BB962C8B-B14F-4D97-AF65-F5344CB8AC3E}">
+        <p14:creationId xmlns:p14="http://schemas.microsoft.com/office/powerpoint/2010/main" val="4231160809"/>
+      </p:ext>
+    </p:extLst>
+  </p:cSld>
+  <p:clrMapOvr>
+    <a:masterClrMapping/>
+  </p:clrMapOvr>
+</p:sld>
+</file>
+
+<file path=ppt/slides/slide15.xml><?xml version="1.0" encoding="utf-8"?>
+<p:sld xmlns:a="http://schemas.openxmlformats.org/drawingml/2006/main" xmlns:r="http://schemas.openxmlformats.org/officeDocument/2006/relationships" xmlns:p="http://schemas.openxmlformats.org/presentationml/2006/main">
+  <p:cSld>
+    <p:spTree>
+      <p:nvGrpSpPr>
+        <p:cNvPr id="1" name=""/>
+        <p:cNvGrpSpPr/>
+        <p:nvPr/>
+      </p:nvGrpSpPr>
+      <p:grpSpPr>
+        <a:xfrm>
+          <a:off x="0" y="0"/>
+          <a:ext cx="0" cy="0"/>
+          <a:chOff x="0" y="0"/>
+          <a:chExt cx="0" cy="0"/>
+        </a:xfrm>
+      </p:grpSpPr>
+      <p:sp>
+        <p:nvSpPr>
+          <p:cNvPr id="2" name="Заголовок 1"/>
+          <p:cNvSpPr>
+            <a:spLocks noGrp="1"/>
+          </p:cNvSpPr>
+          <p:nvPr>
+            <p:ph type="title"/>
+          </p:nvPr>
+        </p:nvSpPr>
+        <p:spPr/>
+        <p:txBody>
+          <a:bodyPr/>
+          <a:lstStyle/>
+          <a:p>
+            <a:r>
+              <a:rPr lang="ru-RU" dirty="0" smtClean="0"/>
+              <a:t>Аренда</a:t>
+            </a:r>
+            <a:r>
+              <a:rPr lang="en-US" dirty="0" smtClean="0"/>
+              <a:t>/</a:t>
+            </a:r>
+            <a:r>
+              <a:rPr lang="ru-RU" dirty="0" smtClean="0"/>
+              <a:t>Желание</a:t>
+            </a:r>
+            <a:endParaRPr lang="ru-RU" dirty="0"/>
+          </a:p>
+        </p:txBody>
+      </p:sp>
+      <p:sp>
+        <p:nvSpPr>
+          <p:cNvPr id="3" name="Объект 2"/>
+          <p:cNvSpPr>
+            <a:spLocks noGrp="1"/>
+          </p:cNvSpPr>
+          <p:nvPr>
+            <p:ph idx="1"/>
+          </p:nvPr>
+        </p:nvSpPr>
+        <p:spPr>
+          <a:xfrm>
+            <a:off x="680321" y="2336873"/>
+            <a:ext cx="4730031" cy="3599316"/>
+          </a:xfrm>
+        </p:spPr>
+        <p:txBody>
+          <a:bodyPr/>
+          <a:lstStyle/>
+          <a:p>
+            <a:r>
+              <a:rPr lang="ru-RU" dirty="0" smtClean="0"/>
+              <a:t>Здесь расположено предложении продажи.</a:t>
+            </a:r>
+          </a:p>
+          <a:p>
+            <a:r>
+              <a:rPr lang="ru-RU" dirty="0" smtClean="0"/>
+              <a:t>Тег </a:t>
+            </a:r>
+            <a:r>
+              <a:rPr lang="en-US" dirty="0" err="1" smtClean="0"/>
+              <a:t>img</a:t>
+            </a:r>
+            <a:r>
+              <a:rPr lang="en-US" dirty="0" smtClean="0"/>
+              <a:t> </a:t>
+            </a:r>
+            <a:r>
+              <a:rPr lang="ru-RU" dirty="0" smtClean="0"/>
+              <a:t>расположено изображение товара</a:t>
+            </a:r>
+          </a:p>
+          <a:p>
+            <a:endParaRPr lang="ru-RU" dirty="0"/>
+          </a:p>
+        </p:txBody>
+      </p:sp>
+      <p:pic>
+        <p:nvPicPr>
+          <p:cNvPr id="4" name="Рисунок 3"/>
+          <p:cNvPicPr>
+            <a:picLocks noChangeAspect="1"/>
+          </p:cNvPicPr>
+          <p:nvPr/>
+        </p:nvPicPr>
+        <p:blipFill rotWithShape="1">
+          <a:blip r:embed="rId2"/>
+          <a:srcRect l="2679" t="42559" r="13991" b="37096"/>
+          <a:stretch/>
+        </p:blipFill>
+        <p:spPr>
+          <a:xfrm>
+            <a:off x="5410352" y="3081457"/>
+            <a:ext cx="6781648" cy="1764864"/>
+          </a:xfrm>
+          <a:prstGeom prst="rect">
+            <a:avLst/>
+          </a:prstGeom>
+        </p:spPr>
+      </p:pic>
+    </p:spTree>
+    <p:extLst>
+      <p:ext uri="{BB962C8B-B14F-4D97-AF65-F5344CB8AC3E}">
+        <p14:creationId xmlns:p14="http://schemas.microsoft.com/office/powerpoint/2010/main" val="2572406795"/>
+      </p:ext>
+    </p:extLst>
+  </p:cSld>
+  <p:clrMapOvr>
+    <a:masterClrMapping/>
+  </p:clrMapOvr>
+</p:sld>
+</file>
+
+<file path=ppt/slides/slide16.xml><?xml version="1.0" encoding="utf-8"?>
+<p:sld xmlns:a="http://schemas.openxmlformats.org/drawingml/2006/main" xmlns:r="http://schemas.openxmlformats.org/officeDocument/2006/relationships" xmlns:p="http://schemas.openxmlformats.org/presentationml/2006/main">
+  <p:cSld>
+    <p:spTree>
+      <p:nvGrpSpPr>
+        <p:cNvPr id="1" name=""/>
+        <p:cNvGrpSpPr/>
+        <p:nvPr/>
+      </p:nvGrpSpPr>
+      <p:grpSpPr>
+        <a:xfrm>
+          <a:off x="0" y="0"/>
+          <a:ext cx="0" cy="0"/>
+          <a:chOff x="0" y="0"/>
+          <a:chExt cx="0" cy="0"/>
+        </a:xfrm>
+      </p:grpSpPr>
+      <p:sp>
+        <p:nvSpPr>
+          <p:cNvPr id="2" name="Заголовок 1"/>
+          <p:cNvSpPr>
+            <a:spLocks noGrp="1"/>
+          </p:cNvSpPr>
+          <p:nvPr>
+            <p:ph type="title"/>
+          </p:nvPr>
+        </p:nvSpPr>
+        <p:spPr/>
+        <p:txBody>
+          <a:bodyPr/>
+          <a:lstStyle/>
+          <a:p>
+            <a:r>
+              <a:rPr lang="ru-RU" dirty="0" smtClean="0"/>
+              <a:t>Оформление аренды</a:t>
+            </a:r>
+            <a:r>
+              <a:rPr lang="en-US" dirty="0" smtClean="0"/>
+              <a:t>/</a:t>
+            </a:r>
+            <a:r>
+              <a:rPr lang="ru-RU" dirty="0" smtClean="0"/>
+              <a:t>желание</a:t>
+            </a:r>
+            <a:endParaRPr lang="ru-RU" dirty="0"/>
+          </a:p>
+        </p:txBody>
+      </p:sp>
+      <p:sp>
+        <p:nvSpPr>
+          <p:cNvPr id="3" name="Объект 2"/>
+          <p:cNvSpPr>
+            <a:spLocks noGrp="1"/>
+          </p:cNvSpPr>
+          <p:nvPr>
+            <p:ph idx="1"/>
+          </p:nvPr>
+        </p:nvSpPr>
+        <p:spPr>
+          <a:xfrm>
+            <a:off x="680322" y="2336873"/>
+            <a:ext cx="4845268" cy="3599316"/>
+          </a:xfrm>
+        </p:spPr>
+        <p:txBody>
+          <a:bodyPr>
+            <a:normAutofit fontScale="92500" lnSpcReduction="10000"/>
+          </a:bodyPr>
+          <a:lstStyle/>
+          <a:p>
+            <a:r>
+              <a:rPr lang="ru-RU" dirty="0" smtClean="0"/>
+              <a:t>Теги</a:t>
+            </a:r>
+          </a:p>
+          <a:p>
+            <a:pPr marL="457200" indent="-457200">
+              <a:buFont typeface="+mj-lt"/>
+              <a:buAutoNum type="arabicPeriod"/>
+            </a:pPr>
+            <a:r>
+              <a:rPr lang="en-US" dirty="0" smtClean="0"/>
+              <a:t>Height – </a:t>
+            </a:r>
+            <a:r>
+              <a:rPr lang="ru-RU" smtClean="0"/>
+              <a:t>высота</a:t>
+            </a:r>
+            <a:endParaRPr lang="en-US" dirty="0" smtClean="0"/>
+          </a:p>
+          <a:p>
+            <a:pPr marL="457200" indent="-457200">
+              <a:buFont typeface="+mj-lt"/>
+              <a:buAutoNum type="arabicPeriod"/>
+            </a:pPr>
+            <a:r>
+              <a:rPr lang="en-US" dirty="0" smtClean="0"/>
+              <a:t>Margin – </a:t>
+            </a:r>
+            <a:r>
+              <a:rPr lang="ru-RU" dirty="0" smtClean="0"/>
+              <a:t>внешний отступ</a:t>
+            </a:r>
+            <a:endParaRPr lang="en-US" dirty="0" smtClean="0"/>
+          </a:p>
+          <a:p>
+            <a:pPr marL="457200" indent="-457200">
+              <a:buFont typeface="+mj-lt"/>
+              <a:buAutoNum type="arabicPeriod"/>
+            </a:pPr>
+            <a:r>
+              <a:rPr lang="en-US" dirty="0" smtClean="0"/>
+              <a:t>left – </a:t>
+            </a:r>
+            <a:r>
+              <a:rPr lang="ru-RU" dirty="0" smtClean="0"/>
+              <a:t>отступ от левого края</a:t>
+            </a:r>
+            <a:endParaRPr lang="en-US" dirty="0" smtClean="0"/>
+          </a:p>
+          <a:p>
+            <a:pPr marL="457200" indent="-457200">
+              <a:buFont typeface="+mj-lt"/>
+              <a:buAutoNum type="arabicPeriod"/>
+            </a:pPr>
+            <a:r>
+              <a:rPr lang="en-US" dirty="0" smtClean="0"/>
+              <a:t>Position – </a:t>
+            </a:r>
+            <a:r>
+              <a:rPr lang="ru-RU" dirty="0" smtClean="0"/>
+              <a:t>Позиционирование объекта на станице</a:t>
+            </a:r>
+            <a:endParaRPr lang="en-US" dirty="0" smtClean="0"/>
+          </a:p>
+          <a:p>
+            <a:pPr marL="457200" indent="-457200">
+              <a:buFont typeface="+mj-lt"/>
+              <a:buAutoNum type="arabicPeriod"/>
+            </a:pPr>
+            <a:r>
+              <a:rPr lang="en-US" dirty="0" smtClean="0"/>
+              <a:t>Width – </a:t>
+            </a:r>
+            <a:r>
+              <a:rPr lang="ru-RU" dirty="0" smtClean="0"/>
+              <a:t>ширина</a:t>
+            </a:r>
+            <a:endParaRPr lang="en-US" dirty="0" smtClean="0"/>
+          </a:p>
+          <a:p>
+            <a:pPr marL="457200" indent="-457200">
+              <a:buFont typeface="+mj-lt"/>
+              <a:buAutoNum type="arabicPeriod"/>
+            </a:pPr>
+            <a:r>
+              <a:rPr lang="en-US" dirty="0" smtClean="0"/>
+              <a:t>Font-size – </a:t>
+            </a:r>
+            <a:r>
+              <a:rPr lang="ru-RU" dirty="0" smtClean="0"/>
+              <a:t>размер текста</a:t>
+            </a:r>
+            <a:endParaRPr lang="en-US" dirty="0" smtClean="0"/>
+          </a:p>
+          <a:p>
+            <a:pPr marL="457200" indent="-457200">
+              <a:buFont typeface="+mj-lt"/>
+              <a:buAutoNum type="arabicPeriod"/>
+            </a:pPr>
+            <a:r>
+              <a:rPr lang="en-US" dirty="0" smtClean="0"/>
+              <a:t>Color – </a:t>
+            </a:r>
+            <a:r>
+              <a:rPr lang="ru-RU" dirty="0" smtClean="0"/>
+              <a:t>цвет текста</a:t>
+            </a:r>
+            <a:endParaRPr lang="ru-RU" dirty="0"/>
+          </a:p>
+        </p:txBody>
+      </p:sp>
+      <p:pic>
+        <p:nvPicPr>
+          <p:cNvPr id="4" name="Рисунок 3"/>
+          <p:cNvPicPr>
+            <a:picLocks noChangeAspect="1"/>
+          </p:cNvPicPr>
+          <p:nvPr/>
+        </p:nvPicPr>
+        <p:blipFill rotWithShape="1">
+          <a:blip r:embed="rId2"/>
+          <a:srcRect l="3482" t="20330" r="69411" b="17127"/>
+          <a:stretch/>
+        </p:blipFill>
+        <p:spPr>
+          <a:xfrm>
+            <a:off x="8569234" y="1140122"/>
+            <a:ext cx="2207623" cy="5429117"/>
+          </a:xfrm>
+          <a:prstGeom prst="rect">
+            <a:avLst/>
+          </a:prstGeom>
+        </p:spPr>
+      </p:pic>
+    </p:spTree>
+    <p:extLst>
+      <p:ext uri="{BB962C8B-B14F-4D97-AF65-F5344CB8AC3E}">
+        <p14:creationId xmlns:p14="http://schemas.microsoft.com/office/powerpoint/2010/main" val="227658853"/>
       </p:ext>
     </p:extLst>
   </p:cSld>
@@ -8439,6 +9813,502 @@
     <p:extLst>
       <p:ext uri="{BB962C8B-B14F-4D97-AF65-F5344CB8AC3E}">
         <p14:creationId xmlns:p14="http://schemas.microsoft.com/office/powerpoint/2010/main" val="582045539"/>
+      </p:ext>
+    </p:extLst>
+  </p:cSld>
+  <p:clrMapOvr>
+    <a:masterClrMapping/>
+  </p:clrMapOvr>
+</p:sld>
+</file>
+
+<file path=ppt/slides/slide7.xml><?xml version="1.0" encoding="utf-8"?>
+<p:sld xmlns:a="http://schemas.openxmlformats.org/drawingml/2006/main" xmlns:r="http://schemas.openxmlformats.org/officeDocument/2006/relationships" xmlns:p="http://schemas.openxmlformats.org/presentationml/2006/main">
+  <p:cSld>
+    <p:spTree>
+      <p:nvGrpSpPr>
+        <p:cNvPr id="1" name=""/>
+        <p:cNvGrpSpPr/>
+        <p:nvPr/>
+      </p:nvGrpSpPr>
+      <p:grpSpPr>
+        <a:xfrm>
+          <a:off x="0" y="0"/>
+          <a:ext cx="0" cy="0"/>
+          <a:chOff x="0" y="0"/>
+          <a:chExt cx="0" cy="0"/>
+        </a:xfrm>
+      </p:grpSpPr>
+      <p:sp>
+        <p:nvSpPr>
+          <p:cNvPr id="2" name="Заголовок 1"/>
+          <p:cNvSpPr>
+            <a:spLocks noGrp="1"/>
+          </p:cNvSpPr>
+          <p:nvPr>
+            <p:ph type="title"/>
+          </p:nvPr>
+        </p:nvSpPr>
+        <p:spPr/>
+        <p:txBody>
+          <a:bodyPr/>
+          <a:lstStyle/>
+          <a:p>
+            <a:r>
+              <a:rPr lang="ru-RU" dirty="0" smtClean="0"/>
+              <a:t>Ссылки на соц. сети</a:t>
+            </a:r>
+            <a:endParaRPr lang="ru-RU" dirty="0"/>
+          </a:p>
+        </p:txBody>
+      </p:sp>
+      <p:sp>
+        <p:nvSpPr>
+          <p:cNvPr id="3" name="Объект 2"/>
+          <p:cNvSpPr>
+            <a:spLocks noGrp="1"/>
+          </p:cNvSpPr>
+          <p:nvPr>
+            <p:ph idx="1"/>
+          </p:nvPr>
+        </p:nvSpPr>
+        <p:spPr>
+          <a:xfrm>
+            <a:off x="680321" y="2336873"/>
+            <a:ext cx="5420033" cy="3599316"/>
+          </a:xfrm>
+        </p:spPr>
+        <p:txBody>
+          <a:bodyPr/>
+          <a:lstStyle/>
+          <a:p>
+            <a:r>
+              <a:rPr lang="ru-RU" dirty="0" smtClean="0"/>
+              <a:t>Соц. сети – </a:t>
+            </a:r>
+            <a:r>
+              <a:rPr lang="ru-RU" dirty="0"/>
+              <a:t>з</a:t>
+            </a:r>
+            <a:r>
+              <a:rPr lang="ru-RU" dirty="0" smtClean="0"/>
+              <a:t>десь находится ссылки на способы связи с компанией. Находится на всех страницах.</a:t>
+            </a:r>
+            <a:endParaRPr lang="ru-RU" dirty="0"/>
+          </a:p>
+        </p:txBody>
+      </p:sp>
+      <p:pic>
+        <p:nvPicPr>
+          <p:cNvPr id="5" name="Рисунок 4"/>
+          <p:cNvPicPr>
+            <a:picLocks noChangeAspect="1"/>
+          </p:cNvPicPr>
+          <p:nvPr/>
+        </p:nvPicPr>
+        <p:blipFill rotWithShape="1">
+          <a:blip r:embed="rId2"/>
+          <a:srcRect l="7900" t="26358" r="13991" b="46515"/>
+          <a:stretch/>
+        </p:blipFill>
+        <p:spPr>
+          <a:xfrm>
+            <a:off x="6622868" y="2289254"/>
+            <a:ext cx="4898572" cy="1847277"/>
+          </a:xfrm>
+          <a:prstGeom prst="rect">
+            <a:avLst/>
+          </a:prstGeom>
+        </p:spPr>
+      </p:pic>
+    </p:spTree>
+    <p:extLst>
+      <p:ext uri="{BB962C8B-B14F-4D97-AF65-F5344CB8AC3E}">
+        <p14:creationId xmlns:p14="http://schemas.microsoft.com/office/powerpoint/2010/main" val="1521269738"/>
+      </p:ext>
+    </p:extLst>
+  </p:cSld>
+  <p:clrMapOvr>
+    <a:masterClrMapping/>
+  </p:clrMapOvr>
+</p:sld>
+</file>
+
+<file path=ppt/slides/slide8.xml><?xml version="1.0" encoding="utf-8"?>
+<p:sld xmlns:a="http://schemas.openxmlformats.org/drawingml/2006/main" xmlns:r="http://schemas.openxmlformats.org/officeDocument/2006/relationships" xmlns:p="http://schemas.openxmlformats.org/presentationml/2006/main">
+  <p:cSld>
+    <p:spTree>
+      <p:nvGrpSpPr>
+        <p:cNvPr id="1" name=""/>
+        <p:cNvGrpSpPr/>
+        <p:nvPr/>
+      </p:nvGrpSpPr>
+      <p:grpSpPr>
+        <a:xfrm>
+          <a:off x="0" y="0"/>
+          <a:ext cx="0" cy="0"/>
+          <a:chOff x="0" y="0"/>
+          <a:chExt cx="0" cy="0"/>
+        </a:xfrm>
+      </p:grpSpPr>
+      <p:sp>
+        <p:nvSpPr>
+          <p:cNvPr id="2" name="Заголовок 1"/>
+          <p:cNvSpPr>
+            <a:spLocks noGrp="1"/>
+          </p:cNvSpPr>
+          <p:nvPr>
+            <p:ph type="title"/>
+          </p:nvPr>
+        </p:nvSpPr>
+        <p:spPr/>
+        <p:txBody>
+          <a:bodyPr/>
+          <a:lstStyle/>
+          <a:p>
+            <a:r>
+              <a:rPr lang="ru-RU" dirty="0" smtClean="0"/>
+              <a:t>Оформление соц. сетей	</a:t>
+            </a:r>
+            <a:endParaRPr lang="ru-RU" dirty="0"/>
+          </a:p>
+        </p:txBody>
+      </p:sp>
+      <p:sp>
+        <p:nvSpPr>
+          <p:cNvPr id="3" name="Объект 2"/>
+          <p:cNvSpPr>
+            <a:spLocks noGrp="1"/>
+          </p:cNvSpPr>
+          <p:nvPr>
+            <p:ph idx="1"/>
+          </p:nvPr>
+        </p:nvSpPr>
+        <p:spPr>
+          <a:xfrm>
+            <a:off x="680322" y="2336873"/>
+            <a:ext cx="6047050" cy="3599316"/>
+          </a:xfrm>
+        </p:spPr>
+        <p:txBody>
+          <a:bodyPr>
+            <a:normAutofit fontScale="77500" lnSpcReduction="20000"/>
+          </a:bodyPr>
+          <a:lstStyle/>
+          <a:p>
+            <a:r>
+              <a:rPr lang="ru-RU" dirty="0"/>
+              <a:t>Описание тегов</a:t>
+            </a:r>
+            <a:r>
+              <a:rPr lang="en-US" dirty="0"/>
+              <a:t>:</a:t>
+            </a:r>
+          </a:p>
+          <a:p>
+            <a:pPr marL="457200" indent="-457200">
+              <a:buFont typeface="+mj-lt"/>
+              <a:buAutoNum type="arabicPeriod"/>
+            </a:pPr>
+            <a:r>
+              <a:rPr lang="en-US" dirty="0"/>
+              <a:t>Position </a:t>
+            </a:r>
+            <a:r>
+              <a:rPr lang="ru-RU" dirty="0"/>
+              <a:t>– отвечает за позицию объекта</a:t>
+            </a:r>
+            <a:endParaRPr lang="en-US" dirty="0"/>
+          </a:p>
+          <a:p>
+            <a:pPr marL="457200" indent="-457200">
+              <a:buFont typeface="+mj-lt"/>
+              <a:buAutoNum type="arabicPeriod"/>
+            </a:pPr>
+            <a:r>
+              <a:rPr lang="en-US" dirty="0"/>
+              <a:t>Top</a:t>
+            </a:r>
+            <a:r>
+              <a:rPr lang="ru-RU" dirty="0"/>
+              <a:t> – отступ от верхушки сайта</a:t>
+            </a:r>
+            <a:endParaRPr lang="en-US" dirty="0"/>
+          </a:p>
+          <a:p>
+            <a:pPr marL="457200" indent="-457200">
+              <a:buFont typeface="+mj-lt"/>
+              <a:buAutoNum type="arabicPeriod"/>
+            </a:pPr>
+            <a:r>
+              <a:rPr lang="en-US" dirty="0"/>
+              <a:t>Margin-top</a:t>
+            </a:r>
+            <a:r>
+              <a:rPr lang="ru-RU" dirty="0"/>
+              <a:t> – наружный отступ от верха</a:t>
+            </a:r>
+            <a:endParaRPr lang="en-US" dirty="0"/>
+          </a:p>
+          <a:p>
+            <a:pPr marL="457200" indent="-457200">
+              <a:buFont typeface="+mj-lt"/>
+              <a:buAutoNum type="arabicPeriod"/>
+            </a:pPr>
+            <a:r>
+              <a:rPr lang="en-US" dirty="0"/>
+              <a:t>Display</a:t>
+            </a:r>
+            <a:r>
+              <a:rPr lang="ru-RU" dirty="0"/>
+              <a:t> - </a:t>
+            </a:r>
+            <a:endParaRPr lang="en-US" dirty="0"/>
+          </a:p>
+          <a:p>
+            <a:pPr marL="457200" indent="-457200">
+              <a:buFont typeface="+mj-lt"/>
+              <a:buAutoNum type="arabicPeriod"/>
+            </a:pPr>
+            <a:r>
+              <a:rPr lang="en-US" dirty="0"/>
+              <a:t>Width</a:t>
+            </a:r>
+            <a:r>
+              <a:rPr lang="ru-RU" dirty="0"/>
+              <a:t> – размер по ширине объекта</a:t>
+            </a:r>
+            <a:endParaRPr lang="en-US" dirty="0"/>
+          </a:p>
+          <a:p>
+            <a:pPr marL="457200" indent="-457200">
+              <a:buFont typeface="+mj-lt"/>
+              <a:buAutoNum type="arabicPeriod"/>
+            </a:pPr>
+            <a:r>
+              <a:rPr lang="en-US" dirty="0"/>
+              <a:t>Height</a:t>
+            </a:r>
+            <a:r>
+              <a:rPr lang="ru-RU" dirty="0"/>
+              <a:t> - размер по высоте объекта</a:t>
+            </a:r>
+            <a:endParaRPr lang="en-US" dirty="0"/>
+          </a:p>
+          <a:p>
+            <a:pPr marL="457200" indent="-457200">
+              <a:buFont typeface="+mj-lt"/>
+              <a:buAutoNum type="arabicPeriod"/>
+            </a:pPr>
+            <a:r>
+              <a:rPr lang="en-US" dirty="0"/>
+              <a:t>Font-size</a:t>
+            </a:r>
+            <a:r>
+              <a:rPr lang="ru-RU" dirty="0"/>
+              <a:t> – размер шрифта</a:t>
+            </a:r>
+            <a:endParaRPr lang="en-US" dirty="0"/>
+          </a:p>
+          <a:p>
+            <a:pPr marL="457200" indent="-457200">
+              <a:buFont typeface="+mj-lt"/>
+              <a:buAutoNum type="arabicPeriod"/>
+            </a:pPr>
+            <a:r>
+              <a:rPr lang="en-US" dirty="0"/>
+              <a:t>Text-decoration</a:t>
+            </a:r>
+            <a:r>
+              <a:rPr lang="ru-RU" dirty="0"/>
+              <a:t> – декорация текста</a:t>
+            </a:r>
+            <a:endParaRPr lang="en-US" dirty="0"/>
+          </a:p>
+          <a:p>
+            <a:pPr marL="457200" indent="-457200">
+              <a:buFont typeface="+mj-lt"/>
+              <a:buAutoNum type="arabicPeriod"/>
+            </a:pPr>
+            <a:r>
+              <a:rPr lang="en-US" dirty="0"/>
+              <a:t>Color</a:t>
+            </a:r>
+            <a:r>
+              <a:rPr lang="ru-RU" dirty="0"/>
+              <a:t> – цвет текста</a:t>
+            </a:r>
+            <a:endParaRPr lang="en-US" dirty="0"/>
+          </a:p>
+          <a:p>
+            <a:pPr marL="457200" indent="-457200">
+              <a:buFont typeface="+mj-lt"/>
+              <a:buAutoNum type="arabicPeriod"/>
+            </a:pPr>
+            <a:r>
+              <a:rPr lang="en-US" dirty="0"/>
+              <a:t>Padding</a:t>
+            </a:r>
+            <a:r>
+              <a:rPr lang="ru-RU" dirty="0"/>
+              <a:t> – внутренний отступ</a:t>
+            </a:r>
+            <a:endParaRPr lang="en-US" dirty="0"/>
+          </a:p>
+          <a:p>
+            <a:pPr marL="457200" indent="-457200">
+              <a:buFont typeface="+mj-lt"/>
+              <a:buAutoNum type="arabicPeriod"/>
+            </a:pPr>
+            <a:endParaRPr lang="en-US" dirty="0"/>
+          </a:p>
+          <a:p>
+            <a:pPr marL="457200" indent="-457200">
+              <a:buFont typeface="+mj-lt"/>
+              <a:buAutoNum type="arabicPeriod"/>
+            </a:pPr>
+            <a:endParaRPr lang="ru-RU" dirty="0"/>
+          </a:p>
+          <a:p>
+            <a:pPr marL="457200" indent="-457200">
+              <a:buFont typeface="+mj-lt"/>
+              <a:buAutoNum type="arabicPeriod"/>
+            </a:pPr>
+            <a:endParaRPr lang="ru-RU" dirty="0"/>
+          </a:p>
+        </p:txBody>
+      </p:sp>
+      <p:pic>
+        <p:nvPicPr>
+          <p:cNvPr id="5" name="Рисунок 4"/>
+          <p:cNvPicPr>
+            <a:picLocks noChangeAspect="1"/>
+          </p:cNvPicPr>
+          <p:nvPr/>
+        </p:nvPicPr>
+        <p:blipFill rotWithShape="1">
+          <a:blip r:embed="rId2"/>
+          <a:srcRect t="12042" r="52543" b="6012"/>
+          <a:stretch/>
+        </p:blipFill>
+        <p:spPr>
+          <a:xfrm>
+            <a:off x="7516435" y="2037806"/>
+            <a:ext cx="2555028" cy="4702629"/>
+          </a:xfrm>
+          <a:prstGeom prst="rect">
+            <a:avLst/>
+          </a:prstGeom>
+        </p:spPr>
+      </p:pic>
+    </p:spTree>
+    <p:extLst>
+      <p:ext uri="{BB962C8B-B14F-4D97-AF65-F5344CB8AC3E}">
+        <p14:creationId xmlns:p14="http://schemas.microsoft.com/office/powerpoint/2010/main" val="1917726109"/>
+      </p:ext>
+    </p:extLst>
+  </p:cSld>
+  <p:clrMapOvr>
+    <a:masterClrMapping/>
+  </p:clrMapOvr>
+</p:sld>
+</file>
+
+<file path=ppt/slides/slide9.xml><?xml version="1.0" encoding="utf-8"?>
+<p:sld xmlns:a="http://schemas.openxmlformats.org/drawingml/2006/main" xmlns:r="http://schemas.openxmlformats.org/officeDocument/2006/relationships" xmlns:p="http://schemas.openxmlformats.org/presentationml/2006/main">
+  <p:cSld>
+    <p:spTree>
+      <p:nvGrpSpPr>
+        <p:cNvPr id="1" name=""/>
+        <p:cNvGrpSpPr/>
+        <p:nvPr/>
+      </p:nvGrpSpPr>
+      <p:grpSpPr>
+        <a:xfrm>
+          <a:off x="0" y="0"/>
+          <a:ext cx="0" cy="0"/>
+          <a:chOff x="0" y="0"/>
+          <a:chExt cx="0" cy="0"/>
+        </a:xfrm>
+      </p:grpSpPr>
+      <p:pic>
+        <p:nvPicPr>
+          <p:cNvPr id="4" name="Рисунок 3"/>
+          <p:cNvPicPr>
+            <a:picLocks noChangeAspect="1"/>
+          </p:cNvPicPr>
+          <p:nvPr/>
+        </p:nvPicPr>
+        <p:blipFill rotWithShape="1">
+          <a:blip r:embed="rId2"/>
+          <a:srcRect t="47661" r="17473" b="37268"/>
+          <a:stretch/>
+        </p:blipFill>
+        <p:spPr>
+          <a:xfrm>
+            <a:off x="6701246" y="2429691"/>
+            <a:ext cx="5368834" cy="1045029"/>
+          </a:xfrm>
+          <a:prstGeom prst="rect">
+            <a:avLst/>
+          </a:prstGeom>
+        </p:spPr>
+      </p:pic>
+      <p:sp>
+        <p:nvSpPr>
+          <p:cNvPr id="2" name="Заголовок 1"/>
+          <p:cNvSpPr>
+            <a:spLocks noGrp="1"/>
+          </p:cNvSpPr>
+          <p:nvPr>
+            <p:ph type="title"/>
+          </p:nvPr>
+        </p:nvSpPr>
+        <p:spPr/>
+        <p:txBody>
+          <a:bodyPr/>
+          <a:lstStyle/>
+          <a:p>
+            <a:r>
+              <a:rPr lang="ru-RU" dirty="0" smtClean="0"/>
+              <a:t>Текст страницы</a:t>
+            </a:r>
+            <a:endParaRPr lang="ru-RU" dirty="0"/>
+          </a:p>
+        </p:txBody>
+      </p:sp>
+      <p:sp>
+        <p:nvSpPr>
+          <p:cNvPr id="3" name="Объект 2"/>
+          <p:cNvSpPr>
+            <a:spLocks noGrp="1"/>
+          </p:cNvSpPr>
+          <p:nvPr>
+            <p:ph idx="1"/>
+          </p:nvPr>
+        </p:nvSpPr>
+        <p:spPr>
+          <a:xfrm>
+            <a:off x="680322" y="2336873"/>
+            <a:ext cx="5668228" cy="3599316"/>
+          </a:xfrm>
+        </p:spPr>
+        <p:txBody>
+          <a:bodyPr/>
+          <a:lstStyle/>
+          <a:p>
+            <a:r>
+              <a:rPr lang="ru-RU" dirty="0" smtClean="0"/>
+              <a:t>Здесь находится текст приветствия сайта</a:t>
+            </a:r>
+            <a:endParaRPr lang="ru-RU" dirty="0"/>
+          </a:p>
+        </p:txBody>
+      </p:sp>
+    </p:spTree>
+    <p:extLst>
+      <p:ext uri="{BB962C8B-B14F-4D97-AF65-F5344CB8AC3E}">
+        <p14:creationId xmlns:p14="http://schemas.microsoft.com/office/powerpoint/2010/main" val="493599223"/>
       </p:ext>
     </p:extLst>
   </p:cSld>
